--- a/doc/Task07/Domain_Model.pptx
+++ b/doc/Task07/Domain_Model.pptx
@@ -3010,50 +3010,6 @@
       </p:sp>
       <p:sp>
         <p:nvSpPr>
-          <p:cNvPr id="9" name="Rechteck 8"/>
-          <p:cNvSpPr/>
-          <p:nvPr/>
-        </p:nvSpPr>
-        <p:spPr>
-          <a:xfrm>
-            <a:off x="4321967" y="3495290"/>
-            <a:ext cx="1758315" cy="777131"/>
-          </a:xfrm>
-          <a:prstGeom prst="rect">
-            <a:avLst/>
-          </a:prstGeom>
-        </p:spPr>
-        <p:style>
-          <a:lnRef idx="2">
-            <a:schemeClr val="accent1">
-              <a:shade val="50000"/>
-            </a:schemeClr>
-          </a:lnRef>
-          <a:fillRef idx="1">
-            <a:schemeClr val="accent1"/>
-          </a:fillRef>
-          <a:effectRef idx="0">
-            <a:schemeClr val="accent1"/>
-          </a:effectRef>
-          <a:fontRef idx="minor">
-            <a:schemeClr val="lt1"/>
-          </a:fontRef>
-        </p:style>
-        <p:txBody>
-          <a:bodyPr rtlCol="0" anchor="ctr"/>
-          <a:lstStyle/>
-          <a:p>
-            <a:pPr algn="ctr"/>
-            <a:r>
-              <a:rPr lang="de-CH" dirty="0" smtClean="0"/>
-              <a:t>Behandlung</a:t>
-            </a:r>
-            <a:endParaRPr lang="de-CH" dirty="0"/>
-          </a:p>
-        </p:txBody>
-      </p:sp>
-      <p:sp>
-        <p:nvSpPr>
           <p:cNvPr id="10" name="Rechteck 9"/>
           <p:cNvSpPr/>
           <p:nvPr/>
@@ -3137,14 +3093,14 @@
           <p:cNvPr id="26" name="Gerade Verbindung mit Pfeil 25"/>
           <p:cNvCxnSpPr>
             <a:stCxn id="5" idx="2"/>
-            <a:endCxn id="9" idx="0"/>
+            <a:endCxn id="78" idx="0"/>
           </p:cNvCxnSpPr>
           <p:nvPr/>
         </p:nvCxnSpPr>
         <p:spPr>
           <a:xfrm>
             <a:off x="5184457" y="2378987"/>
-            <a:ext cx="16668" cy="1116303"/>
+            <a:ext cx="16668" cy="2704937"/>
           </a:xfrm>
           <a:prstGeom prst="straightConnector1">
             <a:avLst/>
@@ -3250,7 +3206,7 @@
       </p:cxnSp>
       <p:pic>
         <p:nvPicPr>
-          <p:cNvPr id="55" name="Grafik 54"/>
+          <p:cNvPr id="56" name="Grafik 55"/>
           <p:cNvPicPr>
             <a:picLocks noChangeAspect="1"/>
           </p:cNvPicPr>
@@ -3264,8 +3220,8 @@
         </p:blipFill>
         <p:spPr>
           <a:xfrm>
-            <a:off x="4757725" y="3234963"/>
-            <a:ext cx="352425" cy="238125"/>
+            <a:off x="4852981" y="2423462"/>
+            <a:ext cx="209550" cy="266700"/>
           </a:xfrm>
           <a:prstGeom prst="rect">
             <a:avLst/>
@@ -3274,7 +3230,7 @@
       </p:pic>
       <p:pic>
         <p:nvPicPr>
-          <p:cNvPr id="56" name="Grafik 55"/>
+          <p:cNvPr id="57" name="Grafik 56"/>
           <p:cNvPicPr>
             <a:picLocks noChangeAspect="1"/>
           </p:cNvPicPr>
@@ -3288,8 +3244,8 @@
         </p:blipFill>
         <p:spPr>
           <a:xfrm>
-            <a:off x="4852981" y="2423462"/>
-            <a:ext cx="209550" cy="266700"/>
+            <a:off x="2011094" y="1676090"/>
+            <a:ext cx="352425" cy="238125"/>
           </a:xfrm>
           <a:prstGeom prst="rect">
             <a:avLst/>
@@ -3298,7 +3254,31 @@
       </p:pic>
       <p:pic>
         <p:nvPicPr>
-          <p:cNvPr id="57" name="Grafik 56"/>
+          <p:cNvPr id="59" name="Grafik 58"/>
+          <p:cNvPicPr>
+            <a:picLocks noChangeAspect="1"/>
+          </p:cNvPicPr>
+          <p:nvPr/>
+        </p:nvPicPr>
+        <p:blipFill>
+          <a:blip r:embed="rId3"/>
+          <a:stretch>
+            <a:fillRect/>
+          </a:stretch>
+        </p:blipFill>
+        <p:spPr>
+          <a:xfrm>
+            <a:off x="3647126" y="1629981"/>
+            <a:ext cx="352425" cy="238125"/>
+          </a:xfrm>
+          <a:prstGeom prst="rect">
+            <a:avLst/>
+          </a:prstGeom>
+        </p:spPr>
+      </p:pic>
+      <p:pic>
+        <p:nvPicPr>
+          <p:cNvPr id="63" name="Grafik 62"/>
           <p:cNvPicPr>
             <a:picLocks noChangeAspect="1"/>
           </p:cNvPicPr>
@@ -3312,79 +3292,7 @@
         </p:blipFill>
         <p:spPr>
           <a:xfrm>
-            <a:off x="2011094" y="1676090"/>
-            <a:ext cx="352425" cy="238125"/>
-          </a:xfrm>
-          <a:prstGeom prst="rect">
-            <a:avLst/>
-          </a:prstGeom>
-        </p:spPr>
-      </p:pic>
-      <p:pic>
-        <p:nvPicPr>
-          <p:cNvPr id="59" name="Grafik 58"/>
-          <p:cNvPicPr>
-            <a:picLocks noChangeAspect="1"/>
-          </p:cNvPicPr>
-          <p:nvPr/>
-        </p:nvPicPr>
-        <p:blipFill>
-          <a:blip r:embed="rId2"/>
-          <a:stretch>
-            <a:fillRect/>
-          </a:stretch>
-        </p:blipFill>
-        <p:spPr>
-          <a:xfrm>
-            <a:off x="3647126" y="1629981"/>
-            <a:ext cx="352425" cy="238125"/>
-          </a:xfrm>
-          <a:prstGeom prst="rect">
-            <a:avLst/>
-          </a:prstGeom>
-        </p:spPr>
-      </p:pic>
-      <p:pic>
-        <p:nvPicPr>
-          <p:cNvPr id="62" name="Grafik 61"/>
-          <p:cNvPicPr>
-            <a:picLocks noChangeAspect="1"/>
-          </p:cNvPicPr>
-          <p:nvPr/>
-        </p:nvPicPr>
-        <p:blipFill>
-          <a:blip r:embed="rId2"/>
-          <a:stretch>
-            <a:fillRect/>
-          </a:stretch>
-        </p:blipFill>
-        <p:spPr>
-          <a:xfrm>
-            <a:off x="7027430" y="1714180"/>
-            <a:ext cx="352425" cy="238125"/>
-          </a:xfrm>
-          <a:prstGeom prst="rect">
-            <a:avLst/>
-          </a:prstGeom>
-        </p:spPr>
-      </p:pic>
-      <p:pic>
-        <p:nvPicPr>
-          <p:cNvPr id="63" name="Grafik 62"/>
-          <p:cNvPicPr>
-            <a:picLocks noChangeAspect="1"/>
-          </p:cNvPicPr>
-          <p:nvPr/>
-        </p:nvPicPr>
-        <p:blipFill>
-          <a:blip r:embed="rId3"/>
-          <a:stretch>
-            <a:fillRect/>
-          </a:stretch>
-        </p:blipFill>
-        <p:spPr>
-          <a:xfrm>
-            <a:off x="6159813" y="1681912"/>
+            <a:off x="7152689" y="1692186"/>
             <a:ext cx="209550" cy="266700"/>
           </a:xfrm>
           <a:prstGeom prst="rect">
@@ -3635,7 +3543,7 @@
           <p:nvPr/>
         </p:nvPicPr>
         <p:blipFill>
-          <a:blip r:embed="rId2"/>
+          <a:blip r:embed="rId3"/>
           <a:stretch>
             <a:fillRect/>
           </a:stretch>
@@ -3659,7 +3567,7 @@
           <p:nvPr/>
         </p:nvPicPr>
         <p:blipFill>
-          <a:blip r:embed="rId2"/>
+          <a:blip r:embed="rId3"/>
           <a:stretch>
             <a:fillRect/>
           </a:stretch>
@@ -3683,7 +3591,7 @@
           <p:nvPr/>
         </p:nvPicPr>
         <p:blipFill>
-          <a:blip r:embed="rId3"/>
+          <a:blip r:embed="rId2"/>
           <a:stretch>
             <a:fillRect/>
           </a:stretch>
@@ -3865,42 +3773,6 @@
           <a:xfrm flipV="1">
             <a:off x="5184457" y="831678"/>
             <a:ext cx="0" cy="770178"/>
-          </a:xfrm>
-          <a:prstGeom prst="straightConnector1">
-            <a:avLst/>
-          </a:prstGeom>
-          <a:ln>
-            <a:tailEnd type="triangle"/>
-          </a:ln>
-        </p:spPr>
-        <p:style>
-          <a:lnRef idx="1">
-            <a:schemeClr val="accent1"/>
-          </a:lnRef>
-          <a:fillRef idx="0">
-            <a:schemeClr val="accent1"/>
-          </a:fillRef>
-          <a:effectRef idx="0">
-            <a:schemeClr val="accent1"/>
-          </a:effectRef>
-          <a:fontRef idx="minor">
-            <a:schemeClr val="tx1"/>
-          </a:fontRef>
-        </p:style>
-      </p:cxnSp>
-      <p:cxnSp>
-        <p:nvCxnSpPr>
-          <p:cNvPr id="122" name="Gerade Verbindung mit Pfeil 121"/>
-          <p:cNvCxnSpPr>
-            <a:stCxn id="9" idx="2"/>
-            <a:endCxn id="78" idx="0"/>
-          </p:cNvCxnSpPr>
-          <p:nvPr/>
-        </p:nvCxnSpPr>
-        <p:spPr>
-          <a:xfrm>
-            <a:off x="5201125" y="4272421"/>
-            <a:ext cx="0" cy="811503"/>
           </a:xfrm>
           <a:prstGeom prst="straightConnector1">
             <a:avLst/>
@@ -3933,7 +3805,7 @@
           <p:nvPr/>
         </p:nvPicPr>
         <p:blipFill>
-          <a:blip r:embed="rId2"/>
+          <a:blip r:embed="rId3"/>
           <a:stretch>
             <a:fillRect/>
           </a:stretch>
@@ -3951,6 +3823,78 @@
       <p:pic>
         <p:nvPicPr>
           <p:cNvPr id="139" name="Grafik 138"/>
+          <p:cNvPicPr>
+            <a:picLocks noChangeAspect="1"/>
+          </p:cNvPicPr>
+          <p:nvPr/>
+        </p:nvPicPr>
+        <p:blipFill>
+          <a:blip r:embed="rId3"/>
+          <a:stretch>
+            <a:fillRect/>
+          </a:stretch>
+        </p:blipFill>
+        <p:spPr>
+          <a:xfrm>
+            <a:off x="4781544" y="898353"/>
+            <a:ext cx="352425" cy="238125"/>
+          </a:xfrm>
+          <a:prstGeom prst="rect">
+            <a:avLst/>
+          </a:prstGeom>
+        </p:spPr>
+      </p:pic>
+      <p:pic>
+        <p:nvPicPr>
+          <p:cNvPr id="140" name="Grafik 139"/>
+          <p:cNvPicPr>
+            <a:picLocks noChangeAspect="1"/>
+          </p:cNvPicPr>
+          <p:nvPr/>
+        </p:nvPicPr>
+        <p:blipFill>
+          <a:blip r:embed="rId3"/>
+          <a:stretch>
+            <a:fillRect/>
+          </a:stretch>
+        </p:blipFill>
+        <p:spPr>
+          <a:xfrm>
+            <a:off x="9332239" y="1710487"/>
+            <a:ext cx="352425" cy="238125"/>
+          </a:xfrm>
+          <a:prstGeom prst="rect">
+            <a:avLst/>
+          </a:prstGeom>
+        </p:spPr>
+      </p:pic>
+      <p:pic>
+        <p:nvPicPr>
+          <p:cNvPr id="141" name="Grafik 140"/>
+          <p:cNvPicPr>
+            <a:picLocks noChangeAspect="1"/>
+          </p:cNvPicPr>
+          <p:nvPr/>
+        </p:nvPicPr>
+        <p:blipFill>
+          <a:blip r:embed="rId3"/>
+          <a:stretch>
+            <a:fillRect/>
+          </a:stretch>
+        </p:blipFill>
+        <p:spPr>
+          <a:xfrm>
+            <a:off x="9946959" y="1710487"/>
+            <a:ext cx="352425" cy="238125"/>
+          </a:xfrm>
+          <a:prstGeom prst="rect">
+            <a:avLst/>
+          </a:prstGeom>
+        </p:spPr>
+      </p:pic>
+      <p:pic>
+        <p:nvPicPr>
+          <p:cNvPr id="142" name="Grafik 141"/>
           <p:cNvPicPr>
             <a:picLocks noChangeAspect="1"/>
           </p:cNvPicPr>
@@ -3964,17 +3908,221 @@
         </p:blipFill>
         <p:spPr>
           <a:xfrm>
-            <a:off x="4781544" y="898353"/>
-            <a:ext cx="352425" cy="238125"/>
+            <a:off x="9086132" y="5577744"/>
+            <a:ext cx="209550" cy="266700"/>
           </a:xfrm>
           <a:prstGeom prst="rect">
             <a:avLst/>
           </a:prstGeom>
         </p:spPr>
       </p:pic>
+      <p:sp>
+        <p:nvSpPr>
+          <p:cNvPr id="146" name="Textfeld 145"/>
+          <p:cNvSpPr txBox="1"/>
+          <p:nvPr/>
+        </p:nvSpPr>
+        <p:spPr>
+          <a:xfrm>
+            <a:off x="5201607" y="3498890"/>
+            <a:ext cx="1724014" cy="369332"/>
+          </a:xfrm>
+          <a:prstGeom prst="rect">
+            <a:avLst/>
+          </a:prstGeom>
+          <a:noFill/>
+        </p:spPr>
+        <p:txBody>
+          <a:bodyPr wrap="square" rtlCol="0">
+            <a:spAutoFit/>
+          </a:bodyPr>
+          <a:lstStyle/>
+          <a:p>
+            <a:r>
+              <a:rPr lang="de-CH" dirty="0" smtClean="0"/>
+              <a:t>hat</a:t>
+            </a:r>
+            <a:endParaRPr lang="de-CH" dirty="0"/>
+          </a:p>
+        </p:txBody>
+      </p:sp>
+      <p:sp>
+        <p:nvSpPr>
+          <p:cNvPr id="147" name="Textfeld 146"/>
+          <p:cNvSpPr txBox="1"/>
+          <p:nvPr/>
+        </p:nvSpPr>
+        <p:spPr>
+          <a:xfrm>
+            <a:off x="6159813" y="5139959"/>
+            <a:ext cx="1724014" cy="369332"/>
+          </a:xfrm>
+          <a:prstGeom prst="rect">
+            <a:avLst/>
+          </a:prstGeom>
+          <a:noFill/>
+        </p:spPr>
+        <p:txBody>
+          <a:bodyPr wrap="square" rtlCol="0">
+            <a:spAutoFit/>
+          </a:bodyPr>
+          <a:lstStyle/>
+          <a:p>
+            <a:r>
+              <a:rPr lang="de-CH" dirty="0" smtClean="0"/>
+              <a:t>beinhaltet</a:t>
+            </a:r>
+            <a:endParaRPr lang="de-CH" dirty="0"/>
+          </a:p>
+        </p:txBody>
+      </p:sp>
+      <p:sp>
+        <p:nvSpPr>
+          <p:cNvPr id="149" name="Textfeld 148"/>
+          <p:cNvSpPr txBox="1"/>
+          <p:nvPr/>
+        </p:nvSpPr>
+        <p:spPr>
+          <a:xfrm>
+            <a:off x="9295682" y="5093540"/>
+            <a:ext cx="1724014" cy="369332"/>
+          </a:xfrm>
+          <a:prstGeom prst="rect">
+            <a:avLst/>
+          </a:prstGeom>
+          <a:noFill/>
+        </p:spPr>
+        <p:txBody>
+          <a:bodyPr wrap="square" rtlCol="0">
+            <a:spAutoFit/>
+          </a:bodyPr>
+          <a:lstStyle/>
+          <a:p>
+            <a:r>
+              <a:rPr lang="de-CH" dirty="0" smtClean="0"/>
+              <a:t>benötigen</a:t>
+            </a:r>
+            <a:endParaRPr lang="de-CH" dirty="0"/>
+          </a:p>
+        </p:txBody>
+      </p:sp>
+      <p:sp>
+        <p:nvSpPr>
+          <p:cNvPr id="150" name="Textfeld 149"/>
+          <p:cNvSpPr txBox="1"/>
+          <p:nvPr/>
+        </p:nvSpPr>
+        <p:spPr>
+          <a:xfrm>
+            <a:off x="6240194" y="2028742"/>
+            <a:ext cx="1724014" cy="369332"/>
+          </a:xfrm>
+          <a:prstGeom prst="rect">
+            <a:avLst/>
+          </a:prstGeom>
+          <a:noFill/>
+        </p:spPr>
+        <p:txBody>
+          <a:bodyPr wrap="square" rtlCol="0">
+            <a:spAutoFit/>
+          </a:bodyPr>
+          <a:lstStyle/>
+          <a:p>
+            <a:r>
+              <a:rPr lang="de-CH" dirty="0" smtClean="0"/>
+              <a:t>hat</a:t>
+            </a:r>
+            <a:endParaRPr lang="de-CH" dirty="0"/>
+          </a:p>
+        </p:txBody>
+      </p:sp>
+      <p:sp>
+        <p:nvSpPr>
+          <p:cNvPr id="151" name="Textfeld 150"/>
+          <p:cNvSpPr txBox="1"/>
+          <p:nvPr/>
+        </p:nvSpPr>
+        <p:spPr>
+          <a:xfrm>
+            <a:off x="2011094" y="2053359"/>
+            <a:ext cx="2134902" cy="369332"/>
+          </a:xfrm>
+          <a:prstGeom prst="rect">
+            <a:avLst/>
+          </a:prstGeom>
+          <a:noFill/>
+        </p:spPr>
+        <p:txBody>
+          <a:bodyPr wrap="square" rtlCol="0">
+            <a:spAutoFit/>
+          </a:bodyPr>
+          <a:lstStyle/>
+          <a:p>
+            <a:r>
+              <a:rPr lang="de-CH" dirty="0" smtClean="0"/>
+              <a:t>Diagnostiziert mit</a:t>
+            </a:r>
+            <a:endParaRPr lang="de-CH" dirty="0"/>
+          </a:p>
+        </p:txBody>
+      </p:sp>
+      <p:sp>
+        <p:nvSpPr>
+          <p:cNvPr id="157" name="Textfeld 156"/>
+          <p:cNvSpPr txBox="1"/>
+          <p:nvPr/>
+        </p:nvSpPr>
+        <p:spPr>
+          <a:xfrm>
+            <a:off x="9437377" y="2043025"/>
+            <a:ext cx="1724014" cy="369332"/>
+          </a:xfrm>
+          <a:prstGeom prst="rect">
+            <a:avLst/>
+          </a:prstGeom>
+          <a:noFill/>
+        </p:spPr>
+        <p:txBody>
+          <a:bodyPr wrap="square" rtlCol="0">
+            <a:spAutoFit/>
+          </a:bodyPr>
+          <a:lstStyle/>
+          <a:p>
+            <a:r>
+              <a:rPr lang="de-CH" dirty="0" smtClean="0"/>
+              <a:t>hat</a:t>
+            </a:r>
+            <a:endParaRPr lang="de-CH" dirty="0"/>
+          </a:p>
+        </p:txBody>
+      </p:sp>
       <p:pic>
         <p:nvPicPr>
-          <p:cNvPr id="140" name="Grafik 139"/>
+          <p:cNvPr id="161" name="Grafik 160"/>
+          <p:cNvPicPr>
+            <a:picLocks noChangeAspect="1"/>
+          </p:cNvPicPr>
+          <p:nvPr/>
+        </p:nvPicPr>
+        <p:blipFill>
+          <a:blip r:embed="rId3"/>
+          <a:stretch>
+            <a:fillRect/>
+          </a:stretch>
+        </p:blipFill>
+        <p:spPr>
+          <a:xfrm>
+            <a:off x="4771069" y="4775770"/>
+            <a:ext cx="352425" cy="238125"/>
+          </a:xfrm>
+          <a:prstGeom prst="rect">
+            <a:avLst/>
+          </a:prstGeom>
+        </p:spPr>
+      </p:pic>
+      <p:pic>
+        <p:nvPicPr>
+          <p:cNvPr id="162" name="Grafik 161"/>
           <p:cNvPicPr>
             <a:picLocks noChangeAspect="1"/>
           </p:cNvPicPr>
@@ -3988,17 +4136,107 @@
         </p:blipFill>
         <p:spPr>
           <a:xfrm>
-            <a:off x="9332239" y="1710487"/>
-            <a:ext cx="352425" cy="238125"/>
+            <a:off x="6135419" y="1710487"/>
+            <a:ext cx="209550" cy="266700"/>
           </a:xfrm>
           <a:prstGeom prst="rect">
             <a:avLst/>
           </a:prstGeom>
         </p:spPr>
       </p:pic>
+      <p:cxnSp>
+        <p:nvCxnSpPr>
+          <p:cNvPr id="164" name="Gekrümmte Verbindung 163"/>
+          <p:cNvCxnSpPr>
+            <a:stCxn id="102" idx="0"/>
+            <a:endCxn id="118" idx="3"/>
+          </p:cNvCxnSpPr>
+          <p:nvPr/>
+        </p:nvCxnSpPr>
+        <p:spPr>
+          <a:xfrm rot="16200000" flipV="1">
+            <a:off x="8058869" y="-1552142"/>
+            <a:ext cx="1157756" cy="5148265"/>
+          </a:xfrm>
+          <a:prstGeom prst="curvedConnector2">
+            <a:avLst/>
+          </a:prstGeom>
+          <a:ln>
+            <a:tailEnd type="triangle"/>
+          </a:ln>
+        </p:spPr>
+        <p:style>
+          <a:lnRef idx="1">
+            <a:schemeClr val="accent1"/>
+          </a:lnRef>
+          <a:fillRef idx="0">
+            <a:schemeClr val="accent1"/>
+          </a:fillRef>
+          <a:effectRef idx="0">
+            <a:schemeClr val="accent1"/>
+          </a:effectRef>
+          <a:fontRef idx="minor">
+            <a:schemeClr val="tx1"/>
+          </a:fontRef>
+        </p:style>
+      </p:cxnSp>
+      <p:sp>
+        <p:nvSpPr>
+          <p:cNvPr id="165" name="Textfeld 164"/>
+          <p:cNvSpPr txBox="1"/>
+          <p:nvPr/>
+        </p:nvSpPr>
+        <p:spPr>
+          <a:xfrm>
+            <a:off x="8059949" y="622511"/>
+            <a:ext cx="1887010" cy="369332"/>
+          </a:xfrm>
+          <a:prstGeom prst="rect">
+            <a:avLst/>
+          </a:prstGeom>
+          <a:noFill/>
+        </p:spPr>
+        <p:txBody>
+          <a:bodyPr wrap="square" rtlCol="0">
+            <a:spAutoFit/>
+          </a:bodyPr>
+          <a:lstStyle/>
+          <a:p>
+            <a:r>
+              <a:rPr lang="de-CH" dirty="0" smtClean="0"/>
+              <a:t>Durchgeführt von</a:t>
+            </a:r>
+            <a:endParaRPr lang="de-CH" dirty="0"/>
+          </a:p>
+        </p:txBody>
+      </p:sp>
       <p:pic>
         <p:nvPicPr>
-          <p:cNvPr id="141" name="Grafik 140"/>
+          <p:cNvPr id="166" name="Grafik 165"/>
+          <p:cNvPicPr>
+            <a:picLocks noChangeAspect="1"/>
+          </p:cNvPicPr>
+          <p:nvPr/>
+        </p:nvPicPr>
+        <p:blipFill>
+          <a:blip r:embed="rId3"/>
+          <a:stretch>
+            <a:fillRect/>
+          </a:stretch>
+        </p:blipFill>
+        <p:spPr>
+          <a:xfrm>
+            <a:off x="11211879" y="1328387"/>
+            <a:ext cx="352425" cy="238125"/>
+          </a:xfrm>
+          <a:prstGeom prst="rect">
+            <a:avLst/>
+          </a:prstGeom>
+        </p:spPr>
+      </p:pic>
+      <p:pic>
+        <p:nvPicPr>
+          <p:cNvPr id="167" name="Grafik 166"/>
           <p:cNvPicPr>
             <a:picLocks noChangeAspect="1"/>
           </p:cNvPicPr>
@@ -4012,326 +4250,14 @@
         </p:blipFill>
         <p:spPr>
           <a:xfrm>
-            <a:off x="9946959" y="1710487"/>
-            <a:ext cx="352425" cy="238125"/>
+            <a:off x="6135419" y="139302"/>
+            <a:ext cx="209550" cy="266700"/>
           </a:xfrm>
           <a:prstGeom prst="rect">
             <a:avLst/>
           </a:prstGeom>
         </p:spPr>
       </p:pic>
-      <p:pic>
-        <p:nvPicPr>
-          <p:cNvPr id="142" name="Grafik 141"/>
-          <p:cNvPicPr>
-            <a:picLocks noChangeAspect="1"/>
-          </p:cNvPicPr>
-          <p:nvPr/>
-        </p:nvPicPr>
-        <p:blipFill>
-          <a:blip r:embed="rId3"/>
-          <a:stretch>
-            <a:fillRect/>
-          </a:stretch>
-        </p:blipFill>
-        <p:spPr>
-          <a:xfrm>
-            <a:off x="9086132" y="5577744"/>
-            <a:ext cx="209550" cy="266700"/>
-          </a:xfrm>
-          <a:prstGeom prst="rect">
-            <a:avLst/>
-          </a:prstGeom>
-        </p:spPr>
-      </p:pic>
-      <p:pic>
-        <p:nvPicPr>
-          <p:cNvPr id="143" name="Grafik 142"/>
-          <p:cNvPicPr>
-            <a:picLocks noChangeAspect="1"/>
-          </p:cNvPicPr>
-          <p:nvPr/>
-        </p:nvPicPr>
-        <p:blipFill>
-          <a:blip r:embed="rId3"/>
-          <a:stretch>
-            <a:fillRect/>
-          </a:stretch>
-        </p:blipFill>
-        <p:spPr>
-          <a:xfrm>
-            <a:off x="4842509" y="4817222"/>
-            <a:ext cx="209550" cy="266700"/>
-          </a:xfrm>
-          <a:prstGeom prst="rect">
-            <a:avLst/>
-          </a:prstGeom>
-        </p:spPr>
-      </p:pic>
-      <p:sp>
-        <p:nvSpPr>
-          <p:cNvPr id="144" name="Textfeld 143"/>
-          <p:cNvSpPr txBox="1"/>
-          <p:nvPr/>
-        </p:nvSpPr>
-        <p:spPr>
-          <a:xfrm>
-            <a:off x="4658914" y="4765906"/>
-            <a:ext cx="370522" cy="369332"/>
-          </a:xfrm>
-          <a:prstGeom prst="rect">
-            <a:avLst/>
-          </a:prstGeom>
-          <a:noFill/>
-        </p:spPr>
-        <p:txBody>
-          <a:bodyPr wrap="square" rtlCol="0">
-            <a:spAutoFit/>
-          </a:bodyPr>
-          <a:lstStyle/>
-          <a:p>
-            <a:r>
-              <a:rPr lang="de-CH" dirty="0" smtClean="0"/>
-              <a:t>0-</a:t>
-            </a:r>
-            <a:endParaRPr lang="de-CH" dirty="0"/>
-          </a:p>
-        </p:txBody>
-      </p:sp>
-      <p:pic>
-        <p:nvPicPr>
-          <p:cNvPr id="145" name="Grafik 144"/>
-          <p:cNvPicPr>
-            <a:picLocks noChangeAspect="1"/>
-          </p:cNvPicPr>
-          <p:nvPr/>
-        </p:nvPicPr>
-        <p:blipFill>
-          <a:blip r:embed="rId3"/>
-          <a:stretch>
-            <a:fillRect/>
-          </a:stretch>
-        </p:blipFill>
-        <p:spPr>
-          <a:xfrm>
-            <a:off x="4800956" y="4295585"/>
-            <a:ext cx="209550" cy="266700"/>
-          </a:xfrm>
-          <a:prstGeom prst="rect">
-            <a:avLst/>
-          </a:prstGeom>
-        </p:spPr>
-      </p:pic>
-      <p:sp>
-        <p:nvSpPr>
-          <p:cNvPr id="146" name="Textfeld 145"/>
-          <p:cNvSpPr txBox="1"/>
-          <p:nvPr/>
-        </p:nvSpPr>
-        <p:spPr>
-          <a:xfrm>
-            <a:off x="5297806" y="2752472"/>
-            <a:ext cx="1724014" cy="369332"/>
-          </a:xfrm>
-          <a:prstGeom prst="rect">
-            <a:avLst/>
-          </a:prstGeom>
-          <a:noFill/>
-        </p:spPr>
-        <p:txBody>
-          <a:bodyPr wrap="square" rtlCol="0">
-            <a:spAutoFit/>
-          </a:bodyPr>
-          <a:lstStyle/>
-          <a:p>
-            <a:r>
-              <a:rPr lang="de-CH" dirty="0" smtClean="0"/>
-              <a:t>hat</a:t>
-            </a:r>
-            <a:endParaRPr lang="de-CH" dirty="0"/>
-          </a:p>
-        </p:txBody>
-      </p:sp>
-      <p:sp>
-        <p:nvSpPr>
-          <p:cNvPr id="147" name="Textfeld 146"/>
-          <p:cNvSpPr txBox="1"/>
-          <p:nvPr/>
-        </p:nvSpPr>
-        <p:spPr>
-          <a:xfrm>
-            <a:off x="6227798" y="5093540"/>
-            <a:ext cx="1724014" cy="369332"/>
-          </a:xfrm>
-          <a:prstGeom prst="rect">
-            <a:avLst/>
-          </a:prstGeom>
-          <a:noFill/>
-        </p:spPr>
-        <p:txBody>
-          <a:bodyPr wrap="square" rtlCol="0">
-            <a:spAutoFit/>
-          </a:bodyPr>
-          <a:lstStyle/>
-          <a:p>
-            <a:r>
-              <a:rPr lang="de-CH" dirty="0" smtClean="0"/>
-              <a:t>verschreibt</a:t>
-            </a:r>
-            <a:endParaRPr lang="de-CH" dirty="0"/>
-          </a:p>
-        </p:txBody>
-      </p:sp>
-      <p:sp>
-        <p:nvSpPr>
-          <p:cNvPr id="148" name="Textfeld 147"/>
-          <p:cNvSpPr txBox="1"/>
-          <p:nvPr/>
-        </p:nvSpPr>
-        <p:spPr>
-          <a:xfrm>
-            <a:off x="5236243" y="4485212"/>
-            <a:ext cx="1724014" cy="369332"/>
-          </a:xfrm>
-          <a:prstGeom prst="rect">
-            <a:avLst/>
-          </a:prstGeom>
-          <a:noFill/>
-        </p:spPr>
-        <p:txBody>
-          <a:bodyPr wrap="square" rtlCol="0">
-            <a:spAutoFit/>
-          </a:bodyPr>
-          <a:lstStyle/>
-          <a:p>
-            <a:r>
-              <a:rPr lang="de-CH" dirty="0" smtClean="0"/>
-              <a:t>erstellt</a:t>
-            </a:r>
-            <a:endParaRPr lang="de-CH" dirty="0"/>
-          </a:p>
-        </p:txBody>
-      </p:sp>
-      <p:sp>
-        <p:nvSpPr>
-          <p:cNvPr id="149" name="Textfeld 148"/>
-          <p:cNvSpPr txBox="1"/>
-          <p:nvPr/>
-        </p:nvSpPr>
-        <p:spPr>
-          <a:xfrm>
-            <a:off x="9295682" y="5093540"/>
-            <a:ext cx="1724014" cy="369332"/>
-          </a:xfrm>
-          <a:prstGeom prst="rect">
-            <a:avLst/>
-          </a:prstGeom>
-          <a:noFill/>
-        </p:spPr>
-        <p:txBody>
-          <a:bodyPr wrap="square" rtlCol="0">
-            <a:spAutoFit/>
-          </a:bodyPr>
-          <a:lstStyle/>
-          <a:p>
-            <a:r>
-              <a:rPr lang="de-CH" dirty="0" smtClean="0"/>
-              <a:t>verschreibt</a:t>
-            </a:r>
-            <a:endParaRPr lang="de-CH" dirty="0"/>
-          </a:p>
-        </p:txBody>
-      </p:sp>
-      <p:sp>
-        <p:nvSpPr>
-          <p:cNvPr id="150" name="Textfeld 149"/>
-          <p:cNvSpPr txBox="1"/>
-          <p:nvPr/>
-        </p:nvSpPr>
-        <p:spPr>
-          <a:xfrm>
-            <a:off x="6240194" y="2028742"/>
-            <a:ext cx="1724014" cy="369332"/>
-          </a:xfrm>
-          <a:prstGeom prst="rect">
-            <a:avLst/>
-          </a:prstGeom>
-          <a:noFill/>
-        </p:spPr>
-        <p:txBody>
-          <a:bodyPr wrap="square" rtlCol="0">
-            <a:spAutoFit/>
-          </a:bodyPr>
-          <a:lstStyle/>
-          <a:p>
-            <a:r>
-              <a:rPr lang="de-CH" dirty="0" smtClean="0"/>
-              <a:t>hat</a:t>
-            </a:r>
-            <a:endParaRPr lang="de-CH" dirty="0"/>
-          </a:p>
-        </p:txBody>
-      </p:sp>
-      <p:sp>
-        <p:nvSpPr>
-          <p:cNvPr id="151" name="Textfeld 150"/>
-          <p:cNvSpPr txBox="1"/>
-          <p:nvPr/>
-        </p:nvSpPr>
-        <p:spPr>
-          <a:xfrm>
-            <a:off x="2011094" y="2053359"/>
-            <a:ext cx="2134902" cy="369332"/>
-          </a:xfrm>
-          <a:prstGeom prst="rect">
-            <a:avLst/>
-          </a:prstGeom>
-          <a:noFill/>
-        </p:spPr>
-        <p:txBody>
-          <a:bodyPr wrap="square" rtlCol="0">
-            <a:spAutoFit/>
-          </a:bodyPr>
-          <a:lstStyle/>
-          <a:p>
-            <a:r>
-              <a:rPr lang="de-CH" dirty="0" smtClean="0"/>
-              <a:t>Diagnostiziert mit</a:t>
-            </a:r>
-            <a:endParaRPr lang="de-CH" dirty="0"/>
-          </a:p>
-        </p:txBody>
-      </p:sp>
-      <p:sp>
-        <p:nvSpPr>
-          <p:cNvPr id="157" name="Textfeld 156"/>
-          <p:cNvSpPr txBox="1"/>
-          <p:nvPr/>
-        </p:nvSpPr>
-        <p:spPr>
-          <a:xfrm>
-            <a:off x="9272478" y="2071166"/>
-            <a:ext cx="1724014" cy="369332"/>
-          </a:xfrm>
-          <a:prstGeom prst="rect">
-            <a:avLst/>
-          </a:prstGeom>
-          <a:noFill/>
-        </p:spPr>
-        <p:txBody>
-          <a:bodyPr wrap="square" rtlCol="0">
-            <a:spAutoFit/>
-          </a:bodyPr>
-          <a:lstStyle/>
-          <a:p>
-            <a:r>
-              <a:rPr lang="de-CH" dirty="0" smtClean="0"/>
-              <a:t>Macht ab</a:t>
-            </a:r>
-            <a:endParaRPr lang="de-CH" dirty="0"/>
-          </a:p>
-        </p:txBody>
-      </p:sp>
     </p:spTree>
     <p:extLst>
       <p:ext uri="{BB962C8B-B14F-4D97-AF65-F5344CB8AC3E}">
